--- a/notes/week6/week6.pptx
+++ b/notes/week6/week6.pptx
@@ -5,7 +5,7 @@
     <p:sldMasterId id="2147483648" r:id="rId1"/>
   </p:sldMasterIdLst>
   <p:notesMasterIdLst>
-    <p:notesMasterId r:id="rId47"/>
+    <p:notesMasterId r:id="rId48"/>
   </p:notesMasterIdLst>
   <p:sldIdLst>
     <p:sldId id="358" r:id="rId2"/>
@@ -53,6 +53,7 @@
     <p:sldId id="398" r:id="rId44"/>
     <p:sldId id="399" r:id="rId45"/>
     <p:sldId id="400" r:id="rId46"/>
+    <p:sldId id="405" r:id="rId47"/>
   </p:sldIdLst>
   <p:sldSz cx="12192000" cy="6858000"/>
   <p:notesSz cx="6858000" cy="9144000"/>
@@ -217,6 +218,7 @@
             <p14:sldId id="398"/>
             <p14:sldId id="399"/>
             <p14:sldId id="400"/>
+            <p14:sldId id="405"/>
           </p14:sldIdLst>
         </p14:section>
       </p14:sectionLst>
@@ -231,7 +233,6 @@
 <file path=ppt/revisionInfo.xml><?xml version="1.0" encoding="utf-8"?>
 <p1510:revInfo xmlns:a="http://schemas.openxmlformats.org/drawingml/2006/main" xmlns:r="http://schemas.openxmlformats.org/officeDocument/2006/relationships" xmlns:p1510="http://schemas.microsoft.com/office/powerpoint/2015/10/main">
   <p1510:revLst>
-    <p1510:client id="{DC921EE1-5FCB-2D46-B2AF-306D0E5A9BDC}" v="4" dt="2026-02-09T22:14:45.737"/>
     <p1510:client id="{E031807C-CA44-5448-9277-29B97F58CE06}" v="147" dt="2026-02-09T22:52:50.785"/>
   </p1510:revLst>
 </p1510:revInfo>
@@ -433,7 +434,7 @@
   <pc:docChgLst>
     <pc:chgData name="Toby Donaldson" userId="2e6e5431-bb17-4c41-9985-d39c50d83c73" providerId="ADAL" clId="{7F9681A8-EEE2-56F4-9B39-ECCBEE0471AC}"/>
     <pc:docChg chg="undo redo custSel addSld delSld modSld sldOrd addSection delSection modSection">
-      <pc:chgData name="Toby Donaldson" userId="2e6e5431-bb17-4c41-9985-d39c50d83c73" providerId="ADAL" clId="{7F9681A8-EEE2-56F4-9B39-ECCBEE0471AC}" dt="2026-02-09T23:05:08.518" v="43833" actId="20577"/>
+      <pc:chgData name="Toby Donaldson" userId="2e6e5431-bb17-4c41-9985-d39c50d83c73" providerId="ADAL" clId="{7F9681A8-EEE2-56F4-9B39-ECCBEE0471AC}" dt="2026-02-10T22:35:44.823" v="44736" actId="20577"/>
       <pc:docMkLst>
         <pc:docMk/>
       </pc:docMkLst>
@@ -2537,7 +2538,7 @@
         </pc:cxnChg>
       </pc:sldChg>
       <pc:sldChg chg="modSp new mod">
-        <pc:chgData name="Toby Donaldson" userId="2e6e5431-bb17-4c41-9985-d39c50d83c73" providerId="ADAL" clId="{7F9681A8-EEE2-56F4-9B39-ECCBEE0471AC}" dt="2026-02-09T23:05:08.518" v="43833" actId="20577"/>
+        <pc:chgData name="Toby Donaldson" userId="2e6e5431-bb17-4c41-9985-d39c50d83c73" providerId="ADAL" clId="{7F9681A8-EEE2-56F4-9B39-ECCBEE0471AC}" dt="2026-02-10T22:22:49.058" v="43894" actId="20577"/>
         <pc:sldMkLst>
           <pc:docMk/>
           <pc:sldMk cId="3575050957" sldId="404"/>
@@ -2551,11 +2552,34 @@
           </ac:spMkLst>
         </pc:spChg>
         <pc:spChg chg="mod">
-          <ac:chgData name="Toby Donaldson" userId="2e6e5431-bb17-4c41-9985-d39c50d83c73" providerId="ADAL" clId="{7F9681A8-EEE2-56F4-9B39-ECCBEE0471AC}" dt="2026-02-09T23:05:08.518" v="43833" actId="20577"/>
+          <ac:chgData name="Toby Donaldson" userId="2e6e5431-bb17-4c41-9985-d39c50d83c73" providerId="ADAL" clId="{7F9681A8-EEE2-56F4-9B39-ECCBEE0471AC}" dt="2026-02-10T22:22:49.058" v="43894" actId="20577"/>
           <ac:spMkLst>
             <pc:docMk/>
             <pc:sldMk cId="3575050957" sldId="404"/>
             <ac:spMk id="3" creationId="{131D5D5E-A5A8-3C8E-203C-7BD49685CAB5}"/>
+          </ac:spMkLst>
+        </pc:spChg>
+      </pc:sldChg>
+      <pc:sldChg chg="modSp new mod">
+        <pc:chgData name="Toby Donaldson" userId="2e6e5431-bb17-4c41-9985-d39c50d83c73" providerId="ADAL" clId="{7F9681A8-EEE2-56F4-9B39-ECCBEE0471AC}" dt="2026-02-10T22:35:44.823" v="44736" actId="20577"/>
+        <pc:sldMkLst>
+          <pc:docMk/>
+          <pc:sldMk cId="3043117616" sldId="405"/>
+        </pc:sldMkLst>
+        <pc:spChg chg="mod">
+          <ac:chgData name="Toby Donaldson" userId="2e6e5431-bb17-4c41-9985-d39c50d83c73" providerId="ADAL" clId="{7F9681A8-EEE2-56F4-9B39-ECCBEE0471AC}" dt="2026-02-10T22:23:04.142" v="43917" actId="20577"/>
+          <ac:spMkLst>
+            <pc:docMk/>
+            <pc:sldMk cId="3043117616" sldId="405"/>
+            <ac:spMk id="2" creationId="{7BD5B8FA-69CB-A8F0-3E38-66C19FE7223E}"/>
+          </ac:spMkLst>
+        </pc:spChg>
+        <pc:spChg chg="mod">
+          <ac:chgData name="Toby Donaldson" userId="2e6e5431-bb17-4c41-9985-d39c50d83c73" providerId="ADAL" clId="{7F9681A8-EEE2-56F4-9B39-ECCBEE0471AC}" dt="2026-02-10T22:35:44.823" v="44736" actId="20577"/>
+          <ac:spMkLst>
+            <pc:docMk/>
+            <pc:sldMk cId="3043117616" sldId="405"/>
+            <ac:spMk id="3" creationId="{AB7875E9-8708-7467-22FB-F46C3E42770E}"/>
           </ac:spMkLst>
         </pc:spChg>
       </pc:sldChg>
@@ -2702,7 +2726,7 @@
           <a:p>
             <a:fld id="{0FE4A08A-2663-6E4C-B1DC-5BBC17F83115}" type="datetimeFigureOut">
               <a:rPr lang="en-US" smtClean="0"/>
-              <a:t>2/8/26</a:t>
+              <a:t>2/10/26</a:t>
             </a:fld>
             <a:endParaRPr lang="en-US"/>
           </a:p>
@@ -3116,7 +3140,7 @@
           <a:p>
             <a:fld id="{68424796-D03B-5E41-81B6-00E7B73B0CFA}" type="datetimeFigureOut">
               <a:rPr lang="en-US" smtClean="0"/>
-              <a:t>2/8/26</a:t>
+              <a:t>2/10/26</a:t>
             </a:fld>
             <a:endParaRPr lang="en-US"/>
           </a:p>
@@ -3314,7 +3338,7 @@
           <a:p>
             <a:fld id="{68424796-D03B-5E41-81B6-00E7B73B0CFA}" type="datetimeFigureOut">
               <a:rPr lang="en-US" smtClean="0"/>
-              <a:t>2/8/26</a:t>
+              <a:t>2/10/26</a:t>
             </a:fld>
             <a:endParaRPr lang="en-US"/>
           </a:p>
@@ -3522,7 +3546,7 @@
           <a:p>
             <a:fld id="{68424796-D03B-5E41-81B6-00E7B73B0CFA}" type="datetimeFigureOut">
               <a:rPr lang="en-US" smtClean="0"/>
-              <a:t>2/8/26</a:t>
+              <a:t>2/10/26</a:t>
             </a:fld>
             <a:endParaRPr lang="en-US"/>
           </a:p>
@@ -3720,7 +3744,7 @@
           <a:p>
             <a:fld id="{68424796-D03B-5E41-81B6-00E7B73B0CFA}" type="datetimeFigureOut">
               <a:rPr lang="en-US" smtClean="0"/>
-              <a:t>2/8/26</a:t>
+              <a:t>2/10/26</a:t>
             </a:fld>
             <a:endParaRPr lang="en-US"/>
           </a:p>
@@ -3995,7 +4019,7 @@
           <a:p>
             <a:fld id="{68424796-D03B-5E41-81B6-00E7B73B0CFA}" type="datetimeFigureOut">
               <a:rPr lang="en-US" smtClean="0"/>
-              <a:t>2/8/26</a:t>
+              <a:t>2/10/26</a:t>
             </a:fld>
             <a:endParaRPr lang="en-US"/>
           </a:p>
@@ -4260,7 +4284,7 @@
           <a:p>
             <a:fld id="{68424796-D03B-5E41-81B6-00E7B73B0CFA}" type="datetimeFigureOut">
               <a:rPr lang="en-US" smtClean="0"/>
-              <a:t>2/8/26</a:t>
+              <a:t>2/10/26</a:t>
             </a:fld>
             <a:endParaRPr lang="en-US"/>
           </a:p>
@@ -4672,7 +4696,7 @@
           <a:p>
             <a:fld id="{68424796-D03B-5E41-81B6-00E7B73B0CFA}" type="datetimeFigureOut">
               <a:rPr lang="en-US" smtClean="0"/>
-              <a:t>2/8/26</a:t>
+              <a:t>2/10/26</a:t>
             </a:fld>
             <a:endParaRPr lang="en-US"/>
           </a:p>
@@ -4813,7 +4837,7 @@
           <a:p>
             <a:fld id="{68424796-D03B-5E41-81B6-00E7B73B0CFA}" type="datetimeFigureOut">
               <a:rPr lang="en-US" smtClean="0"/>
-              <a:t>2/8/26</a:t>
+              <a:t>2/10/26</a:t>
             </a:fld>
             <a:endParaRPr lang="en-US"/>
           </a:p>
@@ -4926,7 +4950,7 @@
           <a:p>
             <a:fld id="{68424796-D03B-5E41-81B6-00E7B73B0CFA}" type="datetimeFigureOut">
               <a:rPr lang="en-US" smtClean="0"/>
-              <a:t>2/8/26</a:t>
+              <a:t>2/10/26</a:t>
             </a:fld>
             <a:endParaRPr lang="en-US"/>
           </a:p>
@@ -5237,7 +5261,7 @@
           <a:p>
             <a:fld id="{68424796-D03B-5E41-81B6-00E7B73B0CFA}" type="datetimeFigureOut">
               <a:rPr lang="en-US" smtClean="0"/>
-              <a:t>2/8/26</a:t>
+              <a:t>2/10/26</a:t>
             </a:fld>
             <a:endParaRPr lang="en-US"/>
           </a:p>
@@ -5525,7 +5549,7 @@
           <a:p>
             <a:fld id="{68424796-D03B-5E41-81B6-00E7B73B0CFA}" type="datetimeFigureOut">
               <a:rPr lang="en-US" smtClean="0"/>
-              <a:t>2/8/26</a:t>
+              <a:t>2/10/26</a:t>
             </a:fld>
             <a:endParaRPr lang="en-US"/>
           </a:p>
@@ -5766,7 +5790,7 @@
           <a:p>
             <a:fld id="{68424796-D03B-5E41-81B6-00E7B73B0CFA}" type="datetimeFigureOut">
               <a:rPr lang="en-US" smtClean="0"/>
-              <a:t>2/8/26</a:t>
+              <a:t>2/10/26</a:t>
             </a:fld>
             <a:endParaRPr lang="en-US"/>
           </a:p>
@@ -7926,15 +7950,7 @@
           <a:p>
             <a:r>
               <a:rPr lang="en-US" dirty="0"/>
-              <a:t>The idea of composition is </a:t>
-            </a:r>
-            <a:r>
-              <a:rPr lang="en-US"/>
-              <a:t>to build </a:t>
-            </a:r>
-            <a:r>
-              <a:rPr lang="en-US" dirty="0"/>
-              <a:t>new classes using existing class as variables.</a:t>
+              <a:t>The idea of composition is to build new classes using existing class as variables.</a:t>
             </a:r>
           </a:p>
           <a:p>
@@ -7957,7 +7973,7 @@
           <a:p>
             <a:r>
               <a:rPr lang="en-US" dirty="0"/>
-              <a:t>In general, </a:t>
+              <a:t>In general: </a:t>
             </a:r>
             <a:r>
               <a:rPr lang="en-US" b="1" dirty="0"/>
@@ -14035,8 +14051,8 @@
           </a:fontRef>
         </p:style>
       </p:cxnSp>
-      <mc:AlternateContent xmlns:mc="http://schemas.openxmlformats.org/markup-compatibility/2006">
-        <mc:Choice xmlns:p14="http://schemas.microsoft.com/office/powerpoint/2010/main" Requires="p14">
+      <mc:AlternateContent xmlns:mc="http://schemas.openxmlformats.org/markup-compatibility/2006" xmlns:p14="http://schemas.microsoft.com/office/powerpoint/2010/main">
+        <mc:Choice Requires="p14">
           <p:contentPart p14:bwMode="auto" r:id="rId2">
             <p14:nvContentPartPr>
               <p14:cNvPr id="7" name="Ink 6">
@@ -14055,7 +14071,7 @@
             </p14:xfrm>
           </p:contentPart>
         </mc:Choice>
-        <mc:Fallback>
+        <mc:Fallback xmlns="">
           <p:pic>
             <p:nvPicPr>
               <p:cNvPr id="7" name="Ink 6">
@@ -32783,6 +32799,177 @@
 </p:sld>
 </file>
 
+<file path=ppt/slides/slide46.xml><?xml version="1.0" encoding="utf-8"?>
+<p:sld xmlns:a="http://schemas.openxmlformats.org/drawingml/2006/main" xmlns:r="http://schemas.openxmlformats.org/officeDocument/2006/relationships" xmlns:p="http://schemas.openxmlformats.org/presentationml/2006/main">
+  <p:cSld>
+    <p:spTree>
+      <p:nvGrpSpPr>
+        <p:cNvPr id="1" name=""/>
+        <p:cNvGrpSpPr/>
+        <p:nvPr/>
+      </p:nvGrpSpPr>
+      <p:grpSpPr>
+        <a:xfrm>
+          <a:off x="0" y="0"/>
+          <a:ext cx="0" cy="0"/>
+          <a:chOff x="0" y="0"/>
+          <a:chExt cx="0" cy="0"/>
+        </a:xfrm>
+      </p:grpSpPr>
+      <p:sp>
+        <p:nvSpPr>
+          <p:cNvPr id="2" name="Title 1">
+            <a:extLst>
+              <a:ext uri="{FF2B5EF4-FFF2-40B4-BE49-F238E27FC236}">
+                <a16:creationId xmlns:a16="http://schemas.microsoft.com/office/drawing/2014/main" id="{7BD5B8FA-69CB-A8F0-3E38-66C19FE7223E}"/>
+              </a:ext>
+            </a:extLst>
+          </p:cNvPr>
+          <p:cNvSpPr>
+            <a:spLocks noGrp="1"/>
+          </p:cNvSpPr>
+          <p:nvPr>
+            <p:ph type="title"/>
+          </p:nvPr>
+        </p:nvSpPr>
+        <p:spPr/>
+        <p:txBody>
+          <a:bodyPr/>
+          <a:lstStyle/>
+          <a:p>
+            <a:r>
+              <a:rPr lang="en-US" dirty="0"/>
+              <a:t>OOP Programming Advice</a:t>
+            </a:r>
+          </a:p>
+        </p:txBody>
+      </p:sp>
+      <p:sp>
+        <p:nvSpPr>
+          <p:cNvPr id="3" name="Content Placeholder 2">
+            <a:extLst>
+              <a:ext uri="{FF2B5EF4-FFF2-40B4-BE49-F238E27FC236}">
+                <a16:creationId xmlns:a16="http://schemas.microsoft.com/office/drawing/2014/main" id="{AB7875E9-8708-7467-22FB-F46C3E42770E}"/>
+              </a:ext>
+            </a:extLst>
+          </p:cNvPr>
+          <p:cNvSpPr>
+            <a:spLocks noGrp="1"/>
+          </p:cNvSpPr>
+          <p:nvPr>
+            <p:ph idx="1"/>
+          </p:nvPr>
+        </p:nvSpPr>
+        <p:spPr/>
+        <p:txBody>
+          <a:bodyPr>
+            <a:normAutofit fontScale="92500" lnSpcReduction="10000"/>
+          </a:bodyPr>
+          <a:lstStyle/>
+          <a:p>
+            <a:pPr marL="0" indent="0">
+              <a:buNone/>
+            </a:pPr>
+            <a:r>
+              <a:rPr lang="en-US" b="1" dirty="0"/>
+              <a:t>Use destructors for calling delete and cleaning up</a:t>
+            </a:r>
+          </a:p>
+          <a:p>
+            <a:pPr lvl="1"/>
+            <a:r>
+              <a:rPr lang="en-US" dirty="0"/>
+              <a:t>They’re a good solution the problem when to call delete.</a:t>
+            </a:r>
+          </a:p>
+          <a:p>
+            <a:pPr marL="0" indent="0">
+              <a:buNone/>
+            </a:pPr>
+            <a:r>
+              <a:rPr lang="en-US" b="1" dirty="0"/>
+              <a:t>Prefer private to public</a:t>
+            </a:r>
+          </a:p>
+          <a:p>
+            <a:pPr lvl="1"/>
+            <a:r>
+              <a:rPr lang="en-US" dirty="0"/>
+              <a:t>Private gives you more control over access and prevents meddling</a:t>
+            </a:r>
+          </a:p>
+          <a:p>
+            <a:pPr marL="0" indent="0">
+              <a:buNone/>
+            </a:pPr>
+            <a:r>
+              <a:rPr lang="en-US" b="1" dirty="0"/>
+              <a:t>Prefer immutable (no setters) to mutable</a:t>
+            </a:r>
+          </a:p>
+          <a:p>
+            <a:pPr lvl="1"/>
+            <a:r>
+              <a:rPr lang="en-US" dirty="0"/>
+              <a:t>Objects that don’t change are often simpler, and easy to share</a:t>
+            </a:r>
+          </a:p>
+          <a:p>
+            <a:pPr marL="0" indent="0">
+              <a:buNone/>
+            </a:pPr>
+            <a:r>
+              <a:rPr lang="en-US" b="1" dirty="0"/>
+              <a:t>Prefer composition to inheritance</a:t>
+            </a:r>
+          </a:p>
+          <a:p>
+            <a:pPr lvl="1"/>
+            <a:r>
+              <a:rPr lang="en-US" dirty="0"/>
+              <a:t>Composition tends to be more flexible and often more straightforward</a:t>
+            </a:r>
+          </a:p>
+          <a:p>
+            <a:pPr marL="0" indent="0">
+              <a:buNone/>
+            </a:pPr>
+            <a:r>
+              <a:rPr lang="en-US" b="1" dirty="0"/>
+              <a:t>Prefer inheriting abstract classes instead of classes </a:t>
+            </a:r>
+            <a:r>
+              <a:rPr lang="en-US" b="1"/>
+              <a:t>with implementations</a:t>
+            </a:r>
+            <a:endParaRPr lang="en-US" b="1" dirty="0"/>
+          </a:p>
+          <a:p>
+            <a:pPr lvl="1"/>
+            <a:r>
+              <a:rPr lang="en-US" dirty="0"/>
+              <a:t>Abstract classes implement the idea of pure interfaces in C++</a:t>
+            </a:r>
+          </a:p>
+          <a:p>
+            <a:pPr lvl="1"/>
+            <a:endParaRPr lang="en-US" dirty="0"/>
+          </a:p>
+        </p:txBody>
+      </p:sp>
+    </p:spTree>
+    <p:extLst>
+      <p:ext uri="{BB962C8B-B14F-4D97-AF65-F5344CB8AC3E}">
+        <p14:creationId xmlns:p14="http://schemas.microsoft.com/office/powerpoint/2010/main" val="3043117616"/>
+      </p:ext>
+    </p:extLst>
+  </p:cSld>
+  <p:clrMapOvr>
+    <a:masterClrMapping/>
+  </p:clrMapOvr>
+</p:sld>
+</file>
+
 <file path=ppt/slides/slide5.xml><?xml version="1.0" encoding="utf-8"?>
 <p:sld xmlns:a="http://schemas.openxmlformats.org/drawingml/2006/main" xmlns:r="http://schemas.openxmlformats.org/officeDocument/2006/relationships" xmlns:p="http://schemas.openxmlformats.org/presentationml/2006/main">
   <p:cSld>
@@ -33710,8 +33897,8 @@
           </a:fontRef>
         </p:style>
       </p:cxnSp>
-      <mc:AlternateContent xmlns:mc="http://schemas.openxmlformats.org/markup-compatibility/2006">
-        <mc:Choice xmlns:p14="http://schemas.microsoft.com/office/powerpoint/2010/main" Requires="p14">
+      <mc:AlternateContent xmlns:mc="http://schemas.openxmlformats.org/markup-compatibility/2006" xmlns:p14="http://schemas.microsoft.com/office/powerpoint/2010/main">
+        <mc:Choice Requires="p14">
           <p:contentPart p14:bwMode="auto" r:id="rId2">
             <p14:nvContentPartPr>
               <p14:cNvPr id="15" name="Ink 14">
@@ -33730,7 +33917,7 @@
             </p14:xfrm>
           </p:contentPart>
         </mc:Choice>
-        <mc:Fallback>
+        <mc:Fallback xmlns="">
           <p:pic>
             <p:nvPicPr>
               <p:cNvPr id="15" name="Ink 14">
